--- a/ML_0552050_需求.pptx
+++ b/ML_0552050_需求.pptx
@@ -5,7 +5,7 @@
     <p:sldMasterId id="2147483648" r:id="rId1"/>
   </p:sldMasterIdLst>
   <p:notesMasterIdLst>
-    <p:notesMasterId r:id="rId11"/>
+    <p:notesMasterId r:id="rId12"/>
   </p:notesMasterIdLst>
   <p:sldIdLst>
     <p:sldId id="256" r:id="rId2"/>
@@ -17,6 +17,7 @@
     <p:sldId id="282" r:id="rId8"/>
     <p:sldId id="284" r:id="rId9"/>
     <p:sldId id="285" r:id="rId10"/>
+    <p:sldId id="288" r:id="rId11"/>
   </p:sldIdLst>
   <p:sldSz cx="12192000" cy="6858000"/>
   <p:notesSz cx="7104063" cy="10234613"/>
@@ -3273,6 +3274,386 @@
 </p:sld>
 </file>
 
+<file path=ppt/slides/slide10.xml><?xml version="1.0" encoding="utf-8"?>
+<p:sld xmlns:a="http://schemas.openxmlformats.org/drawingml/2006/main" xmlns:r="http://schemas.openxmlformats.org/officeDocument/2006/relationships" xmlns:p="http://schemas.openxmlformats.org/presentationml/2006/main">
+  <p:cSld>
+    <p:spTree>
+      <p:nvGrpSpPr>
+        <p:cNvPr id="1" name=""/>
+        <p:cNvGrpSpPr/>
+        <p:nvPr/>
+      </p:nvGrpSpPr>
+      <p:grpSpPr>
+        <a:xfrm>
+          <a:off x="0" y="0"/>
+          <a:ext cx="0" cy="0"/>
+          <a:chOff x="0" y="0"/>
+          <a:chExt cx="0" cy="0"/>
+        </a:xfrm>
+      </p:grpSpPr>
+      <p:pic>
+        <p:nvPicPr>
+          <p:cNvPr id="2" name="图片 1" descr="未标题-178"/>
+          <p:cNvPicPr>
+            <a:picLocks noChangeAspect="1"/>
+          </p:cNvPicPr>
+          <p:nvPr/>
+        </p:nvPicPr>
+        <p:blipFill>
+          <a:blip r:embed="rId2"/>
+          <a:srcRect t="3317" r="10893"/>
+          <a:stretch>
+            <a:fillRect/>
+          </a:stretch>
+        </p:blipFill>
+        <p:spPr>
+          <a:xfrm flipV="1">
+            <a:off x="10171430" y="5469890"/>
+            <a:ext cx="2020570" cy="1388110"/>
+          </a:xfrm>
+          <a:prstGeom prst="rect">
+            <a:avLst/>
+          </a:prstGeom>
+        </p:spPr>
+      </p:pic>
+      <p:pic>
+        <p:nvPicPr>
+          <p:cNvPr id="3" name="图片 2" descr="未标题-145"/>
+          <p:cNvPicPr>
+            <a:picLocks noChangeAspect="1"/>
+          </p:cNvPicPr>
+          <p:nvPr/>
+        </p:nvPicPr>
+        <p:blipFill>
+          <a:blip r:embed="rId3"/>
+          <a:stretch>
+            <a:fillRect/>
+          </a:stretch>
+        </p:blipFill>
+        <p:spPr>
+          <a:xfrm flipH="1" flipV="1">
+            <a:off x="0" y="0"/>
+            <a:ext cx="1360170" cy="775970"/>
+          </a:xfrm>
+          <a:prstGeom prst="rect">
+            <a:avLst/>
+          </a:prstGeom>
+        </p:spPr>
+      </p:pic>
+      <p:sp>
+        <p:nvSpPr>
+          <p:cNvPr id="6" name="文本框 5"/>
+          <p:cNvSpPr txBox="1"/>
+          <p:nvPr/>
+        </p:nvSpPr>
+        <p:spPr>
+          <a:xfrm>
+            <a:off x="1427480" y="158115"/>
+            <a:ext cx="3057247" cy="461665"/>
+          </a:xfrm>
+          <a:prstGeom prst="rect">
+            <a:avLst/>
+          </a:prstGeom>
+          <a:noFill/>
+        </p:spPr>
+        <p:txBody>
+          <a:bodyPr wrap="none" rtlCol="0">
+            <a:spAutoFit/>
+          </a:bodyPr>
+          <a:lstStyle/>
+          <a:p>
+            <a:r>
+              <a:rPr lang="zh-TW" altLang="en-US" sz="2400" b="1" dirty="0">
+                <a:solidFill>
+                  <a:srgbClr val="DE7F7E"/>
+                </a:solidFill>
+                <a:cs typeface="+mn-ea"/>
+                <a:sym typeface="+mn-lt"/>
+              </a:rPr>
+              <a:t>專案需求</a:t>
+            </a:r>
+            <a:r>
+              <a:rPr lang="zh-TW" altLang="en-US" sz="2400" b="1" dirty="0" smtClean="0">
+                <a:solidFill>
+                  <a:srgbClr val="DE7F7E"/>
+                </a:solidFill>
+                <a:cs typeface="+mn-ea"/>
+                <a:sym typeface="+mn-lt"/>
+              </a:rPr>
+              <a:t>描述</a:t>
+            </a:r>
+            <a:r>
+              <a:rPr lang="en-US" altLang="zh-TW" sz="2400" b="1" dirty="0" smtClean="0">
+                <a:solidFill>
+                  <a:srgbClr val="DE7F7E"/>
+                </a:solidFill>
+                <a:cs typeface="+mn-ea"/>
+                <a:sym typeface="+mn-lt"/>
+              </a:rPr>
+              <a:t>-</a:t>
+            </a:r>
+            <a:r>
+              <a:rPr lang="zh-TW" altLang="en-US" b="1" dirty="0">
+                <a:solidFill>
+                  <a:srgbClr val="DE7F7E"/>
+                </a:solidFill>
+                <a:cs typeface="+mn-ea"/>
+                <a:sym typeface="+mn-lt"/>
+              </a:rPr>
+              <a:t>限制</a:t>
+            </a:r>
+            <a:r>
+              <a:rPr lang="zh-TW" altLang="en-US" b="1" dirty="0" smtClean="0">
+                <a:solidFill>
+                  <a:srgbClr val="DE7F7E"/>
+                </a:solidFill>
+                <a:cs typeface="+mn-ea"/>
+                <a:sym typeface="+mn-lt"/>
+              </a:rPr>
+              <a:t>需求</a:t>
+            </a:r>
+            <a:endParaRPr lang="zh-CN" altLang="en-US" b="1" dirty="0">
+              <a:solidFill>
+                <a:srgbClr val="DE7F7E"/>
+              </a:solidFill>
+              <a:cs typeface="+mn-ea"/>
+              <a:sym typeface="+mn-lt"/>
+            </a:endParaRPr>
+          </a:p>
+        </p:txBody>
+      </p:sp>
+      <p:sp>
+        <p:nvSpPr>
+          <p:cNvPr id="7" name="文本框 51"/>
+          <p:cNvSpPr txBox="1"/>
+          <p:nvPr/>
+        </p:nvSpPr>
+        <p:spPr>
+          <a:xfrm>
+            <a:off x="1427480" y="2295702"/>
+            <a:ext cx="6704509" cy="2220480"/>
+          </a:xfrm>
+          <a:prstGeom prst="rect">
+            <a:avLst/>
+          </a:prstGeom>
+          <a:noFill/>
+        </p:spPr>
+        <p:txBody>
+          <a:bodyPr wrap="square" rtlCol="0">
+            <a:spAutoFit/>
+          </a:bodyPr>
+          <a:lstStyle/>
+          <a:p>
+            <a:pPr marL="457200" indent="-457200">
+              <a:lnSpc>
+                <a:spcPct val="150000"/>
+              </a:lnSpc>
+              <a:buFont typeface="Arial" panose="020B0604020202020204" pitchFamily="34" charset="0"/>
+              <a:buChar char="•"/>
+            </a:pPr>
+            <a:r>
+              <a:rPr lang="zh-TW" altLang="en-US" sz="3200" dirty="0" smtClean="0">
+                <a:solidFill>
+                  <a:schemeClr val="tx1">
+                    <a:lumMod val="75000"/>
+                    <a:lumOff val="25000"/>
+                  </a:schemeClr>
+                </a:solidFill>
+                <a:cs typeface="+mn-ea"/>
+                <a:sym typeface="+mn-lt"/>
+              </a:rPr>
+              <a:t>作業系統</a:t>
+            </a:r>
+            <a:r>
+              <a:rPr lang="en-US" altLang="zh-TW" sz="3200" dirty="0" smtClean="0">
+                <a:solidFill>
+                  <a:schemeClr val="tx1">
+                    <a:lumMod val="75000"/>
+                    <a:lumOff val="25000"/>
+                  </a:schemeClr>
+                </a:solidFill>
+                <a:cs typeface="+mn-ea"/>
+                <a:sym typeface="+mn-lt"/>
+              </a:rPr>
+              <a:t>:</a:t>
+            </a:r>
+            <a:r>
+              <a:rPr lang="zh-TW" altLang="en-US" sz="3200" dirty="0" smtClean="0">
+                <a:solidFill>
+                  <a:schemeClr val="tx1">
+                    <a:lumMod val="75000"/>
+                    <a:lumOff val="25000"/>
+                  </a:schemeClr>
+                </a:solidFill>
+                <a:cs typeface="+mn-ea"/>
+                <a:sym typeface="+mn-lt"/>
+              </a:rPr>
+              <a:t> </a:t>
+            </a:r>
+            <a:r>
+              <a:rPr lang="en-US" altLang="zh-TW" sz="3200" dirty="0" smtClean="0">
+                <a:solidFill>
+                  <a:schemeClr val="tx1">
+                    <a:lumMod val="75000"/>
+                    <a:lumOff val="25000"/>
+                  </a:schemeClr>
+                </a:solidFill>
+                <a:cs typeface="+mn-ea"/>
+                <a:sym typeface="+mn-lt"/>
+              </a:rPr>
+              <a:t>win7</a:t>
+            </a:r>
+            <a:r>
+              <a:rPr lang="zh-TW" altLang="en-US" sz="3200" dirty="0" smtClean="0">
+                <a:solidFill>
+                  <a:schemeClr val="tx1">
+                    <a:lumMod val="75000"/>
+                    <a:lumOff val="25000"/>
+                  </a:schemeClr>
+                </a:solidFill>
+                <a:cs typeface="+mn-ea"/>
+                <a:sym typeface="+mn-lt"/>
+              </a:rPr>
+              <a:t>以上版本</a:t>
+            </a:r>
+            <a:endParaRPr lang="en-US" altLang="zh-TW" sz="3200" dirty="0" smtClean="0">
+              <a:solidFill>
+                <a:schemeClr val="tx1">
+                  <a:lumMod val="75000"/>
+                  <a:lumOff val="25000"/>
+                </a:schemeClr>
+              </a:solidFill>
+              <a:cs typeface="+mn-ea"/>
+              <a:sym typeface="+mn-lt"/>
+            </a:endParaRPr>
+          </a:p>
+          <a:p>
+            <a:pPr marL="457200" indent="-457200">
+              <a:lnSpc>
+                <a:spcPct val="150000"/>
+              </a:lnSpc>
+              <a:buFont typeface="Arial" panose="020B0604020202020204" pitchFamily="34" charset="0"/>
+              <a:buChar char="•"/>
+            </a:pPr>
+            <a:r>
+              <a:rPr lang="zh-TW" altLang="en-US" sz="3200" dirty="0" smtClean="0">
+                <a:solidFill>
+                  <a:schemeClr val="tx1">
+                    <a:lumMod val="75000"/>
+                    <a:lumOff val="25000"/>
+                  </a:schemeClr>
+                </a:solidFill>
+                <a:cs typeface="+mn-ea"/>
+                <a:sym typeface="+mn-lt"/>
+              </a:rPr>
+              <a:t>記憶體</a:t>
+            </a:r>
+            <a:r>
+              <a:rPr lang="en-US" altLang="zh-TW" sz="3200" dirty="0" smtClean="0">
+                <a:solidFill>
+                  <a:schemeClr val="tx1">
+                    <a:lumMod val="75000"/>
+                    <a:lumOff val="25000"/>
+                  </a:schemeClr>
+                </a:solidFill>
+                <a:cs typeface="+mn-ea"/>
+                <a:sym typeface="+mn-lt"/>
+              </a:rPr>
+              <a:t>:4G</a:t>
+            </a:r>
+            <a:r>
+              <a:rPr lang="zh-TW" altLang="en-US" sz="3200" dirty="0" smtClean="0">
+                <a:solidFill>
+                  <a:schemeClr val="tx1">
+                    <a:lumMod val="75000"/>
+                    <a:lumOff val="25000"/>
+                  </a:schemeClr>
+                </a:solidFill>
+                <a:cs typeface="+mn-ea"/>
+                <a:sym typeface="+mn-lt"/>
+              </a:rPr>
+              <a:t>以上</a:t>
+            </a:r>
+            <a:endParaRPr lang="en-US" altLang="zh-TW" sz="3200" dirty="0" smtClean="0">
+              <a:solidFill>
+                <a:schemeClr val="tx1">
+                  <a:lumMod val="75000"/>
+                  <a:lumOff val="25000"/>
+                </a:schemeClr>
+              </a:solidFill>
+              <a:cs typeface="+mn-ea"/>
+              <a:sym typeface="+mn-lt"/>
+            </a:endParaRPr>
+          </a:p>
+          <a:p>
+            <a:pPr marL="457200" indent="-457200">
+              <a:lnSpc>
+                <a:spcPct val="150000"/>
+              </a:lnSpc>
+              <a:buFont typeface="Arial" panose="020B0604020202020204" pitchFamily="34" charset="0"/>
+              <a:buChar char="•"/>
+            </a:pPr>
+            <a:r>
+              <a:rPr lang="zh-TW" altLang="en-US" sz="3200" dirty="0" smtClean="0">
+                <a:solidFill>
+                  <a:schemeClr val="tx1">
+                    <a:lumMod val="75000"/>
+                    <a:lumOff val="25000"/>
+                  </a:schemeClr>
+                </a:solidFill>
+                <a:cs typeface="+mn-ea"/>
+                <a:sym typeface="+mn-lt"/>
+              </a:rPr>
+              <a:t>軟體版本</a:t>
+            </a:r>
+            <a:r>
+              <a:rPr lang="en-US" altLang="zh-TW" sz="3200" dirty="0" smtClean="0">
+                <a:solidFill>
+                  <a:schemeClr val="tx1">
+                    <a:lumMod val="75000"/>
+                    <a:lumOff val="25000"/>
+                  </a:schemeClr>
+                </a:solidFill>
+                <a:cs typeface="+mn-ea"/>
+                <a:sym typeface="+mn-lt"/>
+              </a:rPr>
+              <a:t>:python3.6</a:t>
+            </a:r>
+          </a:p>
+        </p:txBody>
+      </p:sp>
+    </p:spTree>
+    <p:extLst>
+      <p:ext uri="{BB962C8B-B14F-4D97-AF65-F5344CB8AC3E}">
+        <p14:creationId xmlns:p14="http://schemas.microsoft.com/office/powerpoint/2010/main" val="1650368052"/>
+      </p:ext>
+    </p:extLst>
+  </p:cSld>
+  <p:clrMapOvr>
+    <a:masterClrMapping/>
+  </p:clrMapOvr>
+  <mc:AlternateContent xmlns:mc="http://schemas.openxmlformats.org/markup-compatibility/2006" xmlns:p14="http://schemas.microsoft.com/office/powerpoint/2010/main">
+    <mc:Choice Requires="p14">
+      <p:transition spd="slow" p14:dur="1300">
+        <p14:pan dir="u"/>
+      </p:transition>
+    </mc:Choice>
+    <mc:Fallback xmlns="">
+      <p:transition spd="slow">
+        <p:fade/>
+      </p:transition>
+    </mc:Fallback>
+  </mc:AlternateContent>
+  <p:timing>
+    <p:tnLst>
+      <p:par>
+        <p:cTn id="1" dur="indefinite" restart="never" nodeType="tmRoot"/>
+      </p:par>
+    </p:tnLst>
+  </p:timing>
+</p:sld>
+</file>
+
 <file path=ppt/slides/slide2.xml><?xml version="1.0" encoding="utf-8"?>
 <p:sld xmlns:a="http://schemas.openxmlformats.org/drawingml/2006/main" xmlns:r="http://schemas.openxmlformats.org/officeDocument/2006/relationships" xmlns:p="http://schemas.openxmlformats.org/presentationml/2006/main">
   <p:cSld>
@@ -5450,7 +5831,7 @@
         <p:spPr>
           <a:xfrm>
             <a:off x="2513631" y="2097995"/>
-            <a:ext cx="3473304" cy="584775"/>
+            <a:ext cx="5147558" cy="584775"/>
           </a:xfrm>
           <a:prstGeom prst="rect">
             <a:avLst/>
@@ -5474,7 +5855,33 @@
                 <a:cs typeface="+mn-ea"/>
                 <a:sym typeface="+mn-lt"/>
               </a:rPr>
-              <a:t>平板能正確擊球</a:t>
+              <a:t>平板</a:t>
+            </a:r>
+            <a:r>
+              <a:rPr lang="zh-TW" altLang="en-US" sz="3200" dirty="0" smtClean="0">
+                <a:solidFill>
+                  <a:schemeClr val="tx1">
+                    <a:lumMod val="75000"/>
+                    <a:lumOff val="25000"/>
+                  </a:schemeClr>
+                </a:solidFill>
+                <a:cs typeface="+mn-ea"/>
+                <a:sym typeface="+mn-lt"/>
+              </a:rPr>
+              <a:t>能在移動後正確</a:t>
+            </a:r>
+            <a:r>
+              <a:rPr lang="zh-TW" altLang="en-US" sz="3200" dirty="0">
+                <a:solidFill>
+                  <a:schemeClr val="tx1">
+                    <a:lumMod val="75000"/>
+                    <a:lumOff val="25000"/>
+                  </a:schemeClr>
+                </a:solidFill>
+                <a:cs typeface="+mn-ea"/>
+                <a:sym typeface="+mn-lt"/>
+              </a:rPr>
+              <a:t>擊球</a:t>
             </a:r>
             <a:endParaRPr lang="zh-CN" altLang="en-US" sz="3200" dirty="0">
               <a:solidFill>
@@ -5981,8 +6388,8 @@
         </p:nvSpPr>
         <p:spPr>
           <a:xfrm>
-            <a:off x="6909436" y="1319139"/>
-            <a:ext cx="3473304" cy="523220"/>
+            <a:off x="6909435" y="1319139"/>
+            <a:ext cx="4219883" cy="954107"/>
           </a:xfrm>
           <a:prstGeom prst="rect">
             <a:avLst/>
@@ -5996,7 +6403,7 @@
           <a:lstStyle/>
           <a:p>
             <a:r>
-              <a:rPr lang="zh-TW" altLang="en-US" sz="2800" dirty="0">
+              <a:rPr lang="zh-TW" altLang="en-US" sz="2800" dirty="0" smtClean="0">
                 <a:solidFill>
                   <a:schemeClr val="tx1">
                     <a:lumMod val="75000"/>
@@ -6006,8 +6413,33 @@
                 <a:cs typeface="+mn-ea"/>
                 <a:sym typeface="+mn-lt"/>
               </a:rPr>
-              <a:t>平板能正確擊球</a:t>
-            </a:r>
+              <a:t>平板</a:t>
+            </a:r>
+            <a:r>
+              <a:rPr lang="zh-TW" altLang="en-US" sz="2800" dirty="0">
+                <a:solidFill>
+                  <a:schemeClr val="tx1">
+                    <a:lumMod val="75000"/>
+                    <a:lumOff val="25000"/>
+                  </a:schemeClr>
+                </a:solidFill>
+                <a:cs typeface="+mn-ea"/>
+                <a:sym typeface="+mn-lt"/>
+              </a:rPr>
+              <a:t>能在移動後正確擊球</a:t>
+            </a:r>
+            <a:endParaRPr lang="zh-CN" altLang="en-US" sz="2800" dirty="0">
+              <a:solidFill>
+                <a:schemeClr val="tx1">
+                  <a:lumMod val="75000"/>
+                  <a:lumOff val="25000"/>
+                </a:schemeClr>
+              </a:solidFill>
+              <a:cs typeface="+mn-ea"/>
+              <a:sym typeface="+mn-lt"/>
+            </a:endParaRPr>
+          </a:p>
+          <a:p>
             <a:endParaRPr lang="zh-CN" altLang="en-US" sz="2800" dirty="0">
               <a:solidFill>
                 <a:schemeClr val="tx1">
@@ -6925,7 +7357,7 @@
         <p:spPr>
           <a:xfrm>
             <a:off x="6909437" y="1375286"/>
-            <a:ext cx="3473304" cy="461665"/>
+            <a:ext cx="3910962" cy="830997"/>
           </a:xfrm>
           <a:prstGeom prst="rect">
             <a:avLst/>
@@ -6939,6 +7371,16 @@
           <a:lstStyle/>
           <a:p>
             <a:r>
+              <a:rPr lang="zh-TW" altLang="en-US" sz="2400" dirty="0" smtClean="0">
+                <a:solidFill>
+                  <a:srgbClr val="D0CECE"/>
+                </a:solidFill>
+                <a:cs typeface="+mn-ea"/>
+                <a:sym typeface="+mn-lt"/>
+              </a:rPr>
+              <a:t>平板</a:t>
+            </a:r>
+            <a:r>
               <a:rPr lang="zh-TW" altLang="en-US" sz="2400" dirty="0">
                 <a:solidFill>
                   <a:srgbClr val="D0CECE"/>
@@ -6946,8 +7388,10 @@
                 <a:cs typeface="+mn-ea"/>
                 <a:sym typeface="+mn-lt"/>
               </a:rPr>
-              <a:t>平板能正確擊球</a:t>
-            </a:r>
+              <a:t>能在移動後正確擊球</a:t>
+            </a:r>
+          </a:p>
+          <a:p>
             <a:endParaRPr lang="zh-CN" altLang="en-US" sz="2400" dirty="0">
               <a:solidFill>
                 <a:srgbClr val="D0CECE"/>
@@ -7819,54 +8263,6 @@
       </p:sp>
       <p:sp>
         <p:nvSpPr>
-          <p:cNvPr id="10" name="文本框 51">
-            <a:extLst>
-              <a:ext uri="{FF2B5EF4-FFF2-40B4-BE49-F238E27FC236}">
-                <a16:creationId xmlns:a16="http://schemas.microsoft.com/office/drawing/2014/main" id="{0D16C278-04CB-4913-B091-26A9327EC69E}"/>
-              </a:ext>
-            </a:extLst>
-          </p:cNvPr>
-          <p:cNvSpPr txBox="1"/>
-          <p:nvPr/>
-        </p:nvSpPr>
-        <p:spPr>
-          <a:xfrm>
-            <a:off x="6909437" y="1375286"/>
-            <a:ext cx="3473304" cy="461665"/>
-          </a:xfrm>
-          <a:prstGeom prst="rect">
-            <a:avLst/>
-          </a:prstGeom>
-          <a:noFill/>
-        </p:spPr>
-        <p:txBody>
-          <a:bodyPr wrap="square" rtlCol="0">
-            <a:spAutoFit/>
-          </a:bodyPr>
-          <a:lstStyle/>
-          <a:p>
-            <a:r>
-              <a:rPr lang="zh-TW" altLang="en-US" sz="2400" dirty="0">
-                <a:solidFill>
-                  <a:srgbClr val="D0CECE"/>
-                </a:solidFill>
-                <a:cs typeface="+mn-ea"/>
-                <a:sym typeface="+mn-lt"/>
-              </a:rPr>
-              <a:t>平板能正確擊球</a:t>
-            </a:r>
-            <a:endParaRPr lang="zh-CN" altLang="en-US" sz="2400" dirty="0">
-              <a:solidFill>
-                <a:srgbClr val="D0CECE"/>
-              </a:solidFill>
-              <a:cs typeface="+mn-ea"/>
-              <a:sym typeface="+mn-lt"/>
-            </a:endParaRPr>
-          </a:p>
-        </p:txBody>
-      </p:sp>
-      <p:sp>
-        <p:nvSpPr>
           <p:cNvPr id="11" name="文本框 48">
             <a:extLst>
               <a:ext uri="{FF2B5EF4-FFF2-40B4-BE49-F238E27FC236}">
@@ -8331,6 +8727,66 @@
               <a:t>3</a:t>
             </a:r>
             <a:endParaRPr lang="zh-CN" altLang="en-US" sz="2800" dirty="0">
+              <a:cs typeface="+mn-ea"/>
+              <a:sym typeface="+mn-lt"/>
+            </a:endParaRPr>
+          </a:p>
+        </p:txBody>
+      </p:sp>
+      <p:sp>
+        <p:nvSpPr>
+          <p:cNvPr id="18" name="文本框 51">
+            <a:extLst>
+              <a:ext uri="{FF2B5EF4-FFF2-40B4-BE49-F238E27FC236}">
+                <a16:creationId xmlns:a16="http://schemas.microsoft.com/office/drawing/2014/main" id="{F774221B-9649-457B-B2A5-89567A815A6C}"/>
+              </a:ext>
+            </a:extLst>
+          </p:cNvPr>
+          <p:cNvSpPr txBox="1"/>
+          <p:nvPr/>
+        </p:nvSpPr>
+        <p:spPr>
+          <a:xfrm>
+            <a:off x="6909437" y="1375286"/>
+            <a:ext cx="3910962" cy="830997"/>
+          </a:xfrm>
+          <a:prstGeom prst="rect">
+            <a:avLst/>
+          </a:prstGeom>
+          <a:noFill/>
+        </p:spPr>
+        <p:txBody>
+          <a:bodyPr wrap="square" rtlCol="0">
+            <a:spAutoFit/>
+          </a:bodyPr>
+          <a:lstStyle/>
+          <a:p>
+            <a:r>
+              <a:rPr lang="zh-TW" altLang="en-US" sz="2400" dirty="0" smtClean="0">
+                <a:solidFill>
+                  <a:srgbClr val="D0CECE"/>
+                </a:solidFill>
+                <a:cs typeface="+mn-ea"/>
+                <a:sym typeface="+mn-lt"/>
+              </a:rPr>
+              <a:t>平板</a:t>
+            </a:r>
+            <a:r>
+              <a:rPr lang="zh-TW" altLang="en-US" sz="2400" dirty="0">
+                <a:solidFill>
+                  <a:srgbClr val="D0CECE"/>
+                </a:solidFill>
+                <a:cs typeface="+mn-ea"/>
+                <a:sym typeface="+mn-lt"/>
+              </a:rPr>
+              <a:t>能在移動後正確擊球</a:t>
+            </a:r>
+          </a:p>
+          <a:p>
+            <a:endParaRPr lang="zh-CN" altLang="en-US" sz="2400" dirty="0">
+              <a:solidFill>
+                <a:srgbClr val="D0CECE"/>
+              </a:solidFill>
               <a:cs typeface="+mn-ea"/>
               <a:sym typeface="+mn-lt"/>
             </a:endParaRPr>
@@ -9741,7 +10197,7 @@
       </p:sp>
       <p:sp>
         <p:nvSpPr>
-          <p:cNvPr id="52" name="文本框 51"/>
+          <p:cNvPr id="7" name="文本框 51"/>
           <p:cNvSpPr txBox="1"/>
           <p:nvPr/>
         </p:nvSpPr>

--- a/ML_0552050_需求.pptx
+++ b/ML_0552050_需求.pptx
@@ -9531,11 +9531,23 @@
           <a:p>
             <a:r>
               <a:rPr lang="en-US" altLang="zh-TW" sz="1600" dirty="0" smtClean="0"/>
-              <a:t>3.</a:t>
+              <a:t>3</a:t>
+            </a:r>
+            <a:r>
+              <a:rPr lang="en-US" altLang="zh-TW" sz="1600" dirty="0" smtClean="0"/>
+              <a:t>.</a:t>
+            </a:r>
+            <a:r>
+              <a:rPr lang="zh-TW" altLang="en-US" sz="1600" dirty="0"/>
+              <a:t>記</a:t>
             </a:r>
             <a:r>
               <a:rPr lang="zh-TW" altLang="en-US" sz="1600" dirty="0" smtClean="0"/>
-              <a:t>紀錄遊戲</a:t>
+              <a:t>錄</a:t>
+            </a:r>
+            <a:r>
+              <a:rPr lang="zh-TW" altLang="en-US" sz="1600" dirty="0" smtClean="0"/>
+              <a:t>遊戲</a:t>
             </a:r>
             <a:r>
               <a:rPr lang="zh-TW" altLang="en-US" sz="1600" dirty="0"/>
@@ -10002,11 +10014,23 @@
           <a:p>
             <a:r>
               <a:rPr lang="en-US" altLang="zh-TW" sz="1600" dirty="0" smtClean="0"/>
-              <a:t>3.</a:t>
+              <a:t>3</a:t>
+            </a:r>
+            <a:r>
+              <a:rPr lang="en-US" altLang="zh-TW" sz="1600" dirty="0" smtClean="0"/>
+              <a:t>.</a:t>
+            </a:r>
+            <a:r>
+              <a:rPr lang="zh-TW" altLang="en-US" sz="1600" smtClean="0"/>
+              <a:t>記</a:t>
+            </a:r>
+            <a:r>
+              <a:rPr lang="zh-TW" altLang="en-US" sz="1600" smtClean="0"/>
+              <a:t>錄</a:t>
             </a:r>
             <a:r>
               <a:rPr lang="zh-TW" altLang="en-US" sz="1600" dirty="0" smtClean="0"/>
-              <a:t>紀錄遊戲</a:t>
+              <a:t>遊戲</a:t>
             </a:r>
             <a:r>
               <a:rPr lang="zh-TW" altLang="en-US" sz="1600" dirty="0"/>
